--- a/BDM/HW2.pptx
+++ b/BDM/HW2.pptx
@@ -207,29 +207,6 @@
     </pc:docChg>
   </pc:docChgLst>
   <pc:docChgLst>
-    <pc:chgData name="楊淨雯" userId="S::112598017@cc.ntut.edu.tw::7f2610d6-a863-4d1e-b960-0612953df963" providerId="AD" clId="Web-{9839181E-A5FD-4084-92AF-7486788F5F8D}"/>
-    <pc:docChg chg="sldOrd">
-      <pc:chgData name="楊淨雯" userId="S::112598017@cc.ntut.edu.tw::7f2610d6-a863-4d1e-b960-0612953df963" providerId="AD" clId="Web-{9839181E-A5FD-4084-92AF-7486788F5F8D}" dt="2023-10-25T13:26:37.169" v="1"/>
-      <pc:docMkLst>
-        <pc:docMk/>
-      </pc:docMkLst>
-      <pc:sldChg chg="ord">
-        <pc:chgData name="楊淨雯" userId="S::112598017@cc.ntut.edu.tw::7f2610d6-a863-4d1e-b960-0612953df963" providerId="AD" clId="Web-{9839181E-A5FD-4084-92AF-7486788F5F8D}" dt="2023-10-25T13:26:37.169" v="1"/>
-        <pc:sldMkLst>
-          <pc:docMk/>
-          <pc:sldMk cId="0" sldId="274"/>
-        </pc:sldMkLst>
-      </pc:sldChg>
-      <pc:sldChg chg="ord">
-        <pc:chgData name="楊淨雯" userId="S::112598017@cc.ntut.edu.tw::7f2610d6-a863-4d1e-b960-0612953df963" providerId="AD" clId="Web-{9839181E-A5FD-4084-92AF-7486788F5F8D}" dt="2023-10-25T13:16:57.796" v="0"/>
-        <pc:sldMkLst>
-          <pc:docMk/>
-          <pc:sldMk cId="1113098904" sldId="489"/>
-        </pc:sldMkLst>
-      </pc:sldChg>
-    </pc:docChg>
-  </pc:docChgLst>
-  <pc:docChgLst>
     <pc:chgData name="盧永合" userId="S::111998413@cc.ntut.edu.tw::51dde39c-1691-458c-b840-9dbc3dd1ae57" providerId="AD" clId="Web-{2E7884CF-B05B-4704-A863-9A50F7E2476B}"/>
     <pc:docChg chg="modSld">
       <pc:chgData name="盧永合" userId="S::111998413@cc.ntut.edu.tw::51dde39c-1691-458c-b840-9dbc3dd1ae57" providerId="AD" clId="Web-{2E7884CF-B05B-4704-A863-9A50F7E2476B}" dt="2023-10-26T06:40:46.449" v="23" actId="20577"/>
@@ -265,6 +242,29 @@
             <ac:spMk id="9219" creationId="{00000000-0000-0000-0000-000000000000}"/>
           </ac:spMkLst>
         </pc:spChg>
+      </pc:sldChg>
+    </pc:docChg>
+  </pc:docChgLst>
+  <pc:docChgLst>
+    <pc:chgData name="楊淨雯" userId="S::112598017@cc.ntut.edu.tw::7f2610d6-a863-4d1e-b960-0612953df963" providerId="AD" clId="Web-{9839181E-A5FD-4084-92AF-7486788F5F8D}"/>
+    <pc:docChg chg="sldOrd">
+      <pc:chgData name="楊淨雯" userId="S::112598017@cc.ntut.edu.tw::7f2610d6-a863-4d1e-b960-0612953df963" providerId="AD" clId="Web-{9839181E-A5FD-4084-92AF-7486788F5F8D}" dt="2023-10-25T13:26:37.169" v="1"/>
+      <pc:docMkLst>
+        <pc:docMk/>
+      </pc:docMkLst>
+      <pc:sldChg chg="ord">
+        <pc:chgData name="楊淨雯" userId="S::112598017@cc.ntut.edu.tw::7f2610d6-a863-4d1e-b960-0612953df963" providerId="AD" clId="Web-{9839181E-A5FD-4084-92AF-7486788F5F8D}" dt="2023-10-25T13:26:37.169" v="1"/>
+        <pc:sldMkLst>
+          <pc:docMk/>
+          <pc:sldMk cId="0" sldId="274"/>
+        </pc:sldMkLst>
+      </pc:sldChg>
+      <pc:sldChg chg="ord">
+        <pc:chgData name="楊淨雯" userId="S::112598017@cc.ntut.edu.tw::7f2610d6-a863-4d1e-b960-0612953df963" providerId="AD" clId="Web-{9839181E-A5FD-4084-92AF-7486788F5F8D}" dt="2023-10-25T13:16:57.796" v="0"/>
+        <pc:sldMkLst>
+          <pc:docMk/>
+          <pc:sldMk cId="1113098904" sldId="489"/>
+        </pc:sldMkLst>
       </pc:sldChg>
     </pc:docChg>
   </pc:docChgLst>
@@ -2217,7 +2217,7 @@
             </a:pPr>
             <a:r>
               <a:rPr lang="en-US" altLang="zh-TW"/>
-              <a:t>Big Data Mining &amp; Applications, Fall 2023</a:t>
+              <a:t>Big Data Mining &amp; Applications, Fall 2024</a:t>
             </a:r>
           </a:p>
         </p:txBody>
@@ -2417,7 +2417,7 @@
             </a:pPr>
             <a:r>
               <a:rPr lang="en-US" altLang="zh-TW"/>
-              <a:t>Big Data Mining &amp; Applications, Fall 2023</a:t>
+              <a:t>Big Data Mining &amp; Applications, Fall 2024</a:t>
             </a:r>
           </a:p>
         </p:txBody>
@@ -2627,7 +2627,7 @@
             </a:pPr>
             <a:r>
               <a:rPr lang="en-US" altLang="zh-TW"/>
-              <a:t>Big Data Mining &amp; Applications, Fall 2023</a:t>
+              <a:t>Big Data Mining &amp; Applications, Fall 2024</a:t>
             </a:r>
           </a:p>
         </p:txBody>
@@ -2827,7 +2827,7 @@
             </a:pPr>
             <a:r>
               <a:rPr lang="en-US" altLang="zh-TW"/>
-              <a:t>Big Data Mining &amp; Applications, Fall 2023</a:t>
+              <a:t>Big Data Mining &amp; Applications, Fall 2024</a:t>
             </a:r>
           </a:p>
         </p:txBody>
@@ -3050,7 +3050,7 @@
             </a:pPr>
             <a:r>
               <a:rPr lang="en-US" altLang="zh-TW"/>
-              <a:t>Big Data Mining &amp; Applications, Fall 2023</a:t>
+              <a:t>Big Data Mining &amp; Applications, Fall 2024</a:t>
             </a:r>
           </a:p>
         </p:txBody>
@@ -3367,7 +3367,7 @@
             </a:pPr>
             <a:r>
               <a:rPr lang="en-US" altLang="zh-TW"/>
-              <a:t>Big Data Mining &amp; Applications, Fall 2023</a:t>
+              <a:t>Big Data Mining &amp; Applications, Fall 2024</a:t>
             </a:r>
           </a:p>
         </p:txBody>
@@ -3818,7 +3818,7 @@
             </a:pPr>
             <a:r>
               <a:rPr lang="en-US" altLang="zh-TW"/>
-              <a:t>Big Data Mining &amp; Applications, Fall 2023</a:t>
+              <a:t>Big Data Mining &amp; Applications, Fall 2024</a:t>
             </a:r>
           </a:p>
         </p:txBody>
@@ -3967,7 +3967,7 @@
             </a:pPr>
             <a:r>
               <a:rPr lang="en-US" altLang="zh-TW"/>
-              <a:t>Big Data Mining &amp; Applications, Fall 2023</a:t>
+              <a:t>Big Data Mining &amp; Applications, Fall 2024</a:t>
             </a:r>
           </a:p>
         </p:txBody>
@@ -4094,7 +4094,7 @@
             </a:pPr>
             <a:r>
               <a:rPr lang="en-US" altLang="zh-TW"/>
-              <a:t>Big Data Mining &amp; Applications, Fall 2023</a:t>
+              <a:t>Big Data Mining &amp; Applications, Fall 2024</a:t>
             </a:r>
           </a:p>
         </p:txBody>
@@ -4401,7 +4401,7 @@
             </a:pPr>
             <a:r>
               <a:rPr lang="en-US" altLang="zh-TW"/>
-              <a:t>Big Data Mining &amp; Applications, Fall 2023</a:t>
+              <a:t>Big Data Mining &amp; Applications, Fall 2024</a:t>
             </a:r>
           </a:p>
         </p:txBody>
@@ -4686,7 +4686,7 @@
             </a:pPr>
             <a:r>
               <a:rPr lang="en-US" altLang="zh-TW"/>
-              <a:t>Big Data Mining &amp; Applications, Fall 2023</a:t>
+              <a:t>Big Data Mining &amp; Applications, Fall 2024</a:t>
             </a:r>
           </a:p>
         </p:txBody>
@@ -5031,7 +5031,7 @@
             </a:pPr>
             <a:r>
               <a:rPr lang="en-US" altLang="zh-TW"/>
-              <a:t>Big Data Mining &amp; Applications, Fall 2023</a:t>
+              <a:t>Big Data Mining &amp; Applications, Fall 2024</a:t>
             </a:r>
           </a:p>
         </p:txBody>
@@ -5635,10 +5635,6 @@
               <a:rPr lang="en-US" altLang="zh-TW"/>
               <a:t>Big Data Mining: HW#2</a:t>
             </a:r>
-            <a:r>
-              <a:rPr lang="en-US" altLang="zh-TW" sz="4000"/>
-              <a:t/>
-            </a:r>
             <a:br>
               <a:rPr lang="en-US" altLang="zh-TW" sz="4000"/>
             </a:br>
@@ -5663,15 +5659,15 @@
           <a:p>
             <a:pPr eaLnBrk="1" hangingPunct="1"/>
             <a:r>
-              <a:rPr lang="en-US" altLang="zh-TW"/>
+              <a:rPr lang="en-US" altLang="zh-TW" dirty="0"/>
               <a:t>J. H. Wang</a:t>
             </a:r>
           </a:p>
           <a:p>
             <a:pPr eaLnBrk="1" hangingPunct="1"/>
             <a:r>
-              <a:rPr lang="en-US" altLang="zh-TW"/>
-              <a:t>Nov. 02, 2023</a:t>
+              <a:rPr lang="en-US" altLang="zh-TW" dirty="0"/>
+              <a:t>Oct. 30, 2024</a:t>
             </a:r>
           </a:p>
         </p:txBody>
@@ -5984,7 +5980,7 @@
               <a:rPr kumimoji="0" lang="en-US" altLang="zh-TW" sz="1400">
                 <a:latin typeface="Arial" panose="020B0604020202020204" pitchFamily="34" charset="0"/>
               </a:rPr>
-              <a:t>Big Data Mining &amp; Applications, Fall 2023</a:t>
+              <a:t>Big Data Mining &amp; Applications, Fall 2024</a:t>
             </a:r>
           </a:p>
         </p:txBody>
@@ -6599,7 +6595,7 @@
               <a:rPr kumimoji="0" lang="en-US" altLang="zh-TW" sz="1400">
                 <a:latin typeface="Arial" panose="020B0604020202020204" pitchFamily="34" charset="0"/>
               </a:rPr>
-              <a:t>Big Data Mining &amp; Applications, Fall 2023</a:t>
+              <a:t>Big Data Mining &amp; Applications, Fall 2024</a:t>
             </a:r>
           </a:p>
         </p:txBody>
@@ -7128,7 +7124,7 @@
               <a:rPr kumimoji="0" lang="en-US" altLang="zh-TW" sz="1400">
                 <a:latin typeface="Arial" panose="020B0604020202020204" pitchFamily="34" charset="0"/>
               </a:rPr>
-              <a:t>Big Data Mining &amp; Applications, Fall 2023</a:t>
+              <a:t>Big Data Mining &amp; Applications, Fall 2024</a:t>
             </a:r>
           </a:p>
         </p:txBody>
@@ -7675,7 +7671,7 @@
               <a:rPr kumimoji="0" lang="en-US" altLang="zh-TW" sz="1400">
                 <a:latin typeface="Arial" panose="020B0604020202020204" pitchFamily="34" charset="0"/>
               </a:rPr>
-              <a:t>Big Data Mining &amp; Applications, Fall 2023</a:t>
+              <a:t>Big Data Mining &amp; Applications, Fall 2024</a:t>
             </a:r>
           </a:p>
         </p:txBody>
@@ -8335,7 +8331,7 @@
               <a:rPr kumimoji="0" lang="en-US" altLang="zh-TW" sz="1400">
                 <a:latin typeface="Arial" panose="020B0604020202020204" pitchFamily="34" charset="0"/>
               </a:rPr>
-              <a:t>Big Data Mining &amp; Applications, Fall 2023</a:t>
+              <a:t>Big Data Mining &amp; Applications, Fall 2024</a:t>
             </a:r>
           </a:p>
         </p:txBody>
@@ -8720,7 +8716,7 @@
           <a:lstStyle/>
           <a:p>
             <a:r>
-              <a:rPr lang="en-US" altLang="zh-TW" sz="2000"/>
+              <a:rPr lang="en-US" altLang="zh-TW" sz="2000" dirty="0"/>
               <a:t>Data: </a:t>
             </a:r>
           </a:p>
@@ -8730,15 +8726,15 @@
               <a:buChar char="•"/>
             </a:pPr>
             <a:r>
-              <a:rPr lang="en-US" altLang="zh-TW" sz="1800"/>
+              <a:rPr lang="en-US" altLang="zh-TW" sz="1800" dirty="0"/>
               <a:t>[</a:t>
             </a:r>
             <a:r>
-              <a:rPr lang="en-US" altLang="zh-TW" sz="1800" b="1"/>
+              <a:rPr lang="en-US" altLang="zh-TW" sz="1800" b="1" dirty="0"/>
               <a:t>News Popularity in Multiple Social Media Platforms dataset</a:t>
             </a:r>
             <a:r>
-              <a:rPr lang="en-US" altLang="zh-TW" sz="1800"/>
+              <a:rPr lang="en-US" altLang="zh-TW" sz="1800" dirty="0"/>
               <a:t>] from UCI Machine Learning Repository (15MB (compressed) in size)</a:t>
             </a:r>
           </a:p>
@@ -8748,7 +8744,7 @@
               <a:buChar char="•"/>
             </a:pPr>
             <a:r>
-              <a:rPr lang="en-US" altLang="zh-TW" sz="1800"/>
+              <a:rPr lang="en-US" altLang="zh-TW" sz="1800" dirty="0"/>
               <a:t>News items and their respective social feedback on multiple platforms: Facebook, Google+ and LinkedIn</a:t>
             </a:r>
           </a:p>
@@ -8758,7 +8754,7 @@
               <a:buChar char="•"/>
             </a:pPr>
             <a:r>
-              <a:rPr lang="en-US" altLang="zh-TW" sz="1800"/>
+              <a:rPr lang="en-US" altLang="zh-TW" sz="1800" dirty="0"/>
               <a:t>About 100,000 news items on four different topics: economy, Microsoft, Obama, and Palestine, during November 2015 and July 2016</a:t>
             </a:r>
           </a:p>
@@ -8768,23 +8764,23 @@
               <a:buChar char="•"/>
             </a:pPr>
             <a:r>
-              <a:rPr lang="en-US" altLang="zh-TW" sz="1800"/>
+              <a:rPr lang="en-US" altLang="zh-TW" sz="1800" dirty="0"/>
               <a:t>Available at: </a:t>
             </a:r>
             <a:r>
-              <a:rPr lang="en-US" altLang="zh-TW" sz="1800">
+              <a:rPr lang="en-US" altLang="zh-TW" sz="1800" dirty="0">
                 <a:hlinkClick r:id="rId3"/>
               </a:rPr>
               <a:t>https://archive.ics.uci.edu/ml/datasets/News+Popularity+in+Multiple+Social+Media+Platforms</a:t>
             </a:r>
             <a:r>
-              <a:rPr lang="en-US" altLang="zh-TW" sz="1800"/>
+              <a:rPr lang="en-US" altLang="zh-TW" sz="1800" dirty="0"/>
               <a:t> </a:t>
             </a:r>
           </a:p>
           <a:p>
             <a:r>
-              <a:rPr lang="en-US" altLang="zh-TW" sz="2000"/>
+              <a:rPr lang="en-US" altLang="zh-TW" sz="2000" dirty="0"/>
               <a:t>Format:</a:t>
             </a:r>
           </a:p>
@@ -8794,7 +8790,7 @@
               <a:buChar char="•"/>
             </a:pPr>
             <a:r>
-              <a:rPr lang="en-US" altLang="zh-TW" sz="1800"/>
+              <a:rPr lang="en-US" altLang="zh-TW" sz="1800" dirty="0"/>
               <a:t>News data: 1 CSV file</a:t>
             </a:r>
           </a:p>
@@ -8804,7 +8800,7 @@
               <a:buChar char="•"/>
             </a:pPr>
             <a:r>
-              <a:rPr lang="en-US" altLang="zh-TW" sz="1800"/>
+              <a:rPr lang="en-US" altLang="zh-TW" sz="1800" dirty="0"/>
               <a:t>Social feedback data: 12 CSV files for 4 topics on 3 platforms</a:t>
             </a:r>
             <a:endParaRPr lang="zh-TW" altLang="en-US" sz="1800" dirty="0"/>
@@ -8883,21 +8879,25 @@
           <a:lstStyle/>
           <a:p>
             <a:r>
-              <a:rPr lang="en-US" altLang="zh-TW" sz="1600"/>
-              <a:t>IDLink (numeric): Unique identifier of news items </a:t>
-            </a:r>
-          </a:p>
-          <a:p>
-            <a:r>
-              <a:rPr lang="en-US" altLang="zh-TW" sz="1600" b="1"/>
+              <a:rPr lang="en-US" altLang="zh-TW" sz="1600" dirty="0" err="1"/>
+              <a:t>IDLink</a:t>
+            </a:r>
+            <a:r>
+              <a:rPr lang="en-US" altLang="zh-TW" sz="1600" dirty="0"/>
+              <a:t> (numeric): Unique identifier of news items </a:t>
+            </a:r>
+          </a:p>
+          <a:p>
+            <a:r>
+              <a:rPr lang="en-US" altLang="zh-TW" sz="1600" b="1" dirty="0"/>
               <a:t>Title</a:t>
             </a:r>
             <a:r>
-              <a:rPr lang="en-US" altLang="zh-TW" sz="1600"/>
+              <a:rPr lang="en-US" altLang="zh-TW" sz="1600" dirty="0"/>
               <a:t> (</a:t>
             </a:r>
             <a:r>
-              <a:rPr lang="en-US" altLang="zh-TW" sz="1600">
+              <a:rPr lang="en-US" altLang="zh-TW" sz="1600" dirty="0">
                 <a:solidFill>
                   <a:srgbClr val="FF0000"/>
                 </a:solidFill>
@@ -8905,21 +8905,21 @@
               <a:t>string</a:t>
             </a:r>
             <a:r>
-              <a:rPr lang="en-US" altLang="zh-TW" sz="1600"/>
+              <a:rPr lang="en-US" altLang="zh-TW" sz="1600" dirty="0"/>
               <a:t>): Title of the news item according to the official media sources </a:t>
             </a:r>
           </a:p>
           <a:p>
             <a:r>
-              <a:rPr lang="en-US" altLang="zh-TW" sz="1600" b="1"/>
+              <a:rPr lang="en-US" altLang="zh-TW" sz="1600" b="1" dirty="0"/>
               <a:t>Headline</a:t>
             </a:r>
             <a:r>
-              <a:rPr lang="en-US" altLang="zh-TW" sz="1600"/>
+              <a:rPr lang="en-US" altLang="zh-TW" sz="1600" dirty="0"/>
               <a:t> (</a:t>
             </a:r>
             <a:r>
-              <a:rPr lang="en-US" altLang="zh-TW" sz="1600">
+              <a:rPr lang="en-US" altLang="zh-TW" sz="1600" dirty="0">
                 <a:solidFill>
                   <a:srgbClr val="FF0000"/>
                 </a:solidFill>
@@ -8927,27 +8927,27 @@
               <a:t>string</a:t>
             </a:r>
             <a:r>
-              <a:rPr lang="en-US" altLang="zh-TW" sz="1600"/>
+              <a:rPr lang="en-US" altLang="zh-TW" sz="1600" dirty="0"/>
               <a:t>): Headline of the news item according to the official media sources </a:t>
             </a:r>
           </a:p>
           <a:p>
             <a:r>
-              <a:rPr lang="en-US" altLang="zh-TW" sz="1600"/>
+              <a:rPr lang="en-US" altLang="zh-TW" sz="1600" dirty="0"/>
               <a:t>Source (string): Original news outlet that published the news item </a:t>
             </a:r>
           </a:p>
           <a:p>
             <a:r>
-              <a:rPr lang="en-US" altLang="zh-TW" sz="1600" b="1"/>
+              <a:rPr lang="en-US" altLang="zh-TW" sz="1600" b="1" dirty="0"/>
               <a:t>Topic</a:t>
             </a:r>
             <a:r>
-              <a:rPr lang="en-US" altLang="zh-TW" sz="1600"/>
+              <a:rPr lang="en-US" altLang="zh-TW" sz="1600" dirty="0"/>
               <a:t> (</a:t>
             </a:r>
             <a:r>
-              <a:rPr lang="en-US" altLang="zh-TW" sz="1600">
+              <a:rPr lang="en-US" altLang="zh-TW" sz="1600" dirty="0">
                 <a:solidFill>
                   <a:srgbClr val="FF0000"/>
                 </a:solidFill>
@@ -8955,21 +8955,21 @@
               <a:t>string</a:t>
             </a:r>
             <a:r>
-              <a:rPr lang="en-US" altLang="zh-TW" sz="1600"/>
+              <a:rPr lang="en-US" altLang="zh-TW" sz="1600" dirty="0"/>
               <a:t>): Query topic used to obtain the items in the official media sources </a:t>
             </a:r>
           </a:p>
           <a:p>
             <a:r>
-              <a:rPr lang="en-US" altLang="zh-TW" sz="1600" b="1"/>
+              <a:rPr lang="en-US" altLang="zh-TW" sz="1600" b="1" dirty="0" err="1"/>
               <a:t>PublishDate</a:t>
             </a:r>
             <a:r>
-              <a:rPr lang="en-US" altLang="zh-TW" sz="1600"/>
+              <a:rPr lang="en-US" altLang="zh-TW" sz="1600" dirty="0"/>
               <a:t> (</a:t>
             </a:r>
             <a:r>
-              <a:rPr lang="en-US" altLang="zh-TW" sz="1600">
+              <a:rPr lang="en-US" altLang="zh-TW" sz="1600" dirty="0">
                 <a:solidFill>
                   <a:srgbClr val="0000FF"/>
                 </a:solidFill>
@@ -8977,46 +8977,70 @@
               <a:t>timestamp</a:t>
             </a:r>
             <a:r>
-              <a:rPr lang="en-US" altLang="zh-TW" sz="1600"/>
+              <a:rPr lang="en-US" altLang="zh-TW" sz="1600" dirty="0"/>
               <a:t>): Date and time of the news items' publication </a:t>
             </a:r>
           </a:p>
           <a:p>
             <a:r>
-              <a:rPr lang="en-US" altLang="zh-TW" sz="1600" b="1"/>
+              <a:rPr lang="en-US" altLang="zh-TW" sz="1600" b="1" dirty="0" err="1"/>
               <a:t>SentimentTitle</a:t>
             </a:r>
             <a:r>
-              <a:rPr lang="en-US" altLang="zh-TW" sz="1600"/>
+              <a:rPr lang="en-US" altLang="zh-TW" sz="1600" dirty="0"/>
               <a:t> (numeric): Sentiment score of the text in the news items' title </a:t>
             </a:r>
           </a:p>
           <a:p>
             <a:r>
-              <a:rPr lang="en-US" altLang="zh-TW" sz="1600" b="1"/>
+              <a:rPr lang="en-US" altLang="zh-TW" sz="1600" b="1" dirty="0" err="1"/>
               <a:t>SentimentHeadline</a:t>
             </a:r>
             <a:r>
-              <a:rPr lang="en-US" altLang="zh-TW" sz="1600"/>
+              <a:rPr lang="en-US" altLang="zh-TW" sz="1600" dirty="0"/>
               <a:t> (numeric): Sentiment score of the text in the news items' headline </a:t>
             </a:r>
           </a:p>
           <a:p>
             <a:r>
-              <a:rPr lang="en-US" altLang="zh-TW" sz="1600"/>
-              <a:t>Facebook (numeric): Final value of the news items' popularity according to the social media source Facebook </a:t>
-            </a:r>
-          </a:p>
-          <a:p>
-            <a:r>
-              <a:rPr lang="en-US" altLang="zh-TW" sz="1600"/>
-              <a:t>GooglePlus (numeric): Final value of the news items' popularity according to the social media source Google+ </a:t>
-            </a:r>
-          </a:p>
-          <a:p>
-            <a:r>
-              <a:rPr lang="en-US" altLang="zh-TW" sz="1600"/>
-              <a:t>LinkedIn (numeric): Final value of the news items' popularity according to the social media source LinkedIn </a:t>
+              <a:rPr lang="en-US" altLang="zh-TW" sz="1600" dirty="0">
+                <a:solidFill>
+                  <a:srgbClr val="0000FF"/>
+                </a:solidFill>
+              </a:rPr>
+              <a:t>Facebook</a:t>
+            </a:r>
+            <a:r>
+              <a:rPr lang="en-US" altLang="zh-TW" sz="1600" dirty="0"/>
+              <a:t> (numeric): Final value of the news items' popularity according to the social media source Facebook </a:t>
+            </a:r>
+          </a:p>
+          <a:p>
+            <a:r>
+              <a:rPr lang="en-US" altLang="zh-TW" sz="1600" dirty="0" err="1">
+                <a:solidFill>
+                  <a:srgbClr val="0000FF"/>
+                </a:solidFill>
+              </a:rPr>
+              <a:t>GooglePlus</a:t>
+            </a:r>
+            <a:r>
+              <a:rPr lang="en-US" altLang="zh-TW" sz="1600" dirty="0"/>
+              <a:t> (numeric): Final value of the news items' popularity according to the social media source Google+ </a:t>
+            </a:r>
+          </a:p>
+          <a:p>
+            <a:r>
+              <a:rPr lang="en-US" altLang="zh-TW" sz="1600" dirty="0">
+                <a:solidFill>
+                  <a:srgbClr val="0000FF"/>
+                </a:solidFill>
+              </a:rPr>
+              <a:t>LinkedIn</a:t>
+            </a:r>
+            <a:r>
+              <a:rPr lang="en-US" altLang="zh-TW" sz="1600" dirty="0"/>
+              <a:t> (numeric): Final value of the news items' popularity according to the social media source LinkedIn </a:t>
             </a:r>
             <a:endParaRPr lang="zh-TW" altLang="en-US" sz="1600" dirty="0"/>
           </a:p>
@@ -9180,7 +9204,7 @@
               <a:rPr kumimoji="0" lang="en-US" altLang="zh-TW" sz="1400">
                 <a:latin typeface="Arial" panose="020B0604020202020204" pitchFamily="34" charset="0"/>
               </a:rPr>
-              <a:t>Big Data Mining &amp; Applications, Fall 2023</a:t>
+              <a:t>Big Data Mining &amp; Applications, Fall 2024</a:t>
             </a:r>
           </a:p>
         </p:txBody>
@@ -9625,10 +9649,6 @@
             <a:pPr marL="0" indent="0">
               <a:buNone/>
             </a:pPr>
-            <a:r>
-              <a:rPr lang="en-US" altLang="zh-TW" sz="2400"/>
-              <a:t/>
-            </a:r>
             <a:br>
               <a:rPr lang="en-US" altLang="zh-TW" sz="2400"/>
             </a:br>
@@ -9794,7 +9814,7 @@
               <a:rPr kumimoji="0" lang="en-US" altLang="zh-TW" sz="1400">
                 <a:latin typeface="Arial" panose="020B0604020202020204" pitchFamily="34" charset="0"/>
               </a:rPr>
-              <a:t>Big Data Mining &amp; Applications, Fall 2023</a:t>
+              <a:t>Big Data Mining &amp; Applications, Fall 2024</a:t>
             </a:r>
           </a:p>
         </p:txBody>
@@ -10455,7 +10475,7 @@
               <a:rPr kumimoji="0" lang="en-US" altLang="zh-TW" sz="1400">
                 <a:latin typeface="Arial" panose="020B0604020202020204" pitchFamily="34" charset="0"/>
               </a:rPr>
-              <a:t>Big Data Mining &amp; Applications, Fall 2023</a:t>
+              <a:t>Big Data Mining &amp; Applications, Fall 2024</a:t>
             </a:r>
           </a:p>
         </p:txBody>
@@ -11177,7 +11197,7 @@
               <a:rPr kumimoji="0" lang="en-US" altLang="zh-TW" sz="1400">
                 <a:latin typeface="Arial" panose="020B0604020202020204" pitchFamily="34" charset="0"/>
               </a:rPr>
-              <a:t>Big Data Mining &amp; Applications, Fall 2023</a:t>
+              <a:t>Big Data Mining &amp; Applications, Fall 2024</a:t>
             </a:r>
           </a:p>
         </p:txBody>
@@ -11595,7 +11615,7 @@
           <a:lstStyle/>
           <a:p>
             <a:r>
-              <a:rPr lang="en-US" altLang="zh-TW" sz="2400"/>
+              <a:rPr lang="en-US" altLang="zh-TW" sz="2400" dirty="0"/>
               <a:t>For implementation projects, please submit a compressed file containing:</a:t>
             </a:r>
           </a:p>
@@ -11605,14 +11625,14 @@
               <a:buChar char="•"/>
             </a:pPr>
             <a:r>
-              <a:rPr lang="en-US" altLang="zh-TW" sz="1600"/>
+              <a:rPr lang="en-US" altLang="zh-TW" sz="1600" dirty="0"/>
               <a:t>A document showing your environment setup</a:t>
             </a:r>
           </a:p>
           <a:p>
             <a:pPr lvl="2"/>
             <a:r>
-              <a:rPr lang="en-US" altLang="zh-TW" sz="1600"/>
+              <a:rPr lang="en-US" altLang="zh-TW" sz="1600" dirty="0"/>
               <a:t>PCs/VMs, platform spec, CPU cores, memory size, …</a:t>
             </a:r>
           </a:p>
@@ -11622,11 +11642,11 @@
               <a:buChar char="•"/>
             </a:pPr>
             <a:r>
-              <a:rPr lang="en-US" altLang="zh-TW" sz="1600"/>
+              <a:rPr lang="en-US" altLang="zh-TW" sz="1600" dirty="0"/>
               <a:t>Your </a:t>
             </a:r>
             <a:r>
-              <a:rPr lang="en-US" altLang="zh-TW" sz="1600">
+              <a:rPr lang="en-US" altLang="zh-TW" sz="1600" dirty="0">
                 <a:solidFill>
                   <a:srgbClr val="FF0000"/>
                 </a:solidFill>
@@ -11640,7 +11660,7 @@
               <a:buChar char="•"/>
             </a:pPr>
             <a:r>
-              <a:rPr lang="en-US" altLang="zh-TW" sz="1600">
+              <a:rPr lang="en-US" altLang="zh-TW" sz="1600" dirty="0">
                 <a:solidFill>
                   <a:srgbClr val="FF0000"/>
                 </a:solidFill>
@@ -11648,7 +11668,7 @@
               <a:t>The generated output</a:t>
             </a:r>
             <a:r>
-              <a:rPr lang="en-US" altLang="zh-TW" sz="1600"/>
+              <a:rPr lang="en-US" altLang="zh-TW" sz="1600" dirty="0"/>
               <a:t> (or snapshots)</a:t>
             </a:r>
           </a:p>
@@ -11658,7 +11678,7 @@
               <a:buChar char="•"/>
             </a:pPr>
             <a:r>
-              <a:rPr lang="en-US" altLang="zh-TW" sz="1600">
+              <a:rPr lang="en-US" altLang="zh-TW" sz="1600" dirty="0">
                 <a:solidFill>
                   <a:srgbClr val="FF0000"/>
                 </a:solidFill>
@@ -11666,7 +11686,7 @@
               <a:t>Documentation</a:t>
             </a:r>
             <a:r>
-              <a:rPr lang="en-US" altLang="zh-TW" sz="1600"/>
+              <a:rPr lang="en-US" altLang="zh-TW" sz="1600" dirty="0"/>
               <a:t> on how to compile, install, or configure the environment</a:t>
             </a:r>
           </a:p>
@@ -11676,11 +11696,11 @@
               <a:buChar char="•"/>
             </a:pPr>
             <a:r>
-              <a:rPr lang="en-US" altLang="zh-TW" sz="1600"/>
+              <a:rPr lang="en-US" altLang="zh-TW" sz="1600" dirty="0"/>
               <a:t>Remember to specify </a:t>
             </a:r>
             <a:r>
-              <a:rPr lang="en-US" altLang="zh-TW" sz="1600" b="1">
+              <a:rPr lang="en-US" altLang="zh-TW" sz="1600" b="1" dirty="0">
                 <a:solidFill>
                   <a:srgbClr val="0000FF"/>
                 </a:solidFill>
@@ -11688,7 +11708,7 @@
               <a:t>your name, student ID and your department </a:t>
             </a:r>
             <a:r>
-              <a:rPr lang="en-US" altLang="zh-TW" sz="1600"/>
+              <a:rPr lang="en-US" altLang="zh-TW" sz="1600" dirty="0"/>
               <a:t>in the documentation</a:t>
             </a:r>
           </a:p>
@@ -11698,7 +11718,7 @@
               <a:buChar char="•"/>
             </a:pPr>
             <a:r>
-              <a:rPr lang="en-US" altLang="zh-TW" sz="1600">
+              <a:rPr lang="en-US" altLang="zh-TW" sz="1600" dirty="0">
                 <a:solidFill>
                   <a:srgbClr val="FF0000"/>
                 </a:solidFill>
@@ -11706,7 +11726,7 @@
               <a:t>Team members list</a:t>
             </a:r>
             <a:r>
-              <a:rPr lang="en-US" altLang="zh-TW" sz="1600"/>
+              <a:rPr lang="en-US" altLang="zh-TW" sz="1600" dirty="0"/>
               <a:t>: The names and the responsible parts of each individual member *should* be clearly identified.</a:t>
             </a:r>
           </a:p>
@@ -11715,23 +11735,23 @@
               <a:buFont typeface="Arial" panose="020B0604020202020204" pitchFamily="34" charset="0"/>
               <a:buChar char="•"/>
             </a:pPr>
-            <a:endParaRPr lang="en-US" altLang="zh-TW" sz="2000"/>
-          </a:p>
-          <a:p>
-            <a:r>
-              <a:rPr lang="en-US" altLang="zh-TW" sz="2400"/>
+            <a:endParaRPr lang="en-US" altLang="zh-TW" sz="2000" dirty="0"/>
+          </a:p>
+          <a:p>
+            <a:r>
+              <a:rPr lang="en-US" altLang="zh-TW" sz="2400" dirty="0"/>
               <a:t>Due: 3 weeks (</a:t>
             </a:r>
             <a:r>
-              <a:rPr lang="en-US" altLang="zh-TW" sz="2400">
+              <a:rPr lang="en-US" altLang="zh-TW" sz="2400" dirty="0">
                 <a:solidFill>
                   <a:srgbClr val="FF0000"/>
                 </a:solidFill>
               </a:rPr>
-              <a:t>Nov. 23, 2023</a:t>
-            </a:r>
-            <a:r>
-              <a:rPr lang="en-US" altLang="zh-TW" sz="2400"/>
+              <a:t>Nov. 20, 2024</a:t>
+            </a:r>
+            <a:r>
+              <a:rPr lang="en-US" altLang="zh-TW" sz="2400" dirty="0"/>
               <a:t>)</a:t>
             </a:r>
           </a:p>
@@ -11895,7 +11915,7 @@
               <a:rPr kumimoji="0" lang="en-US" altLang="zh-TW" sz="1400">
                 <a:latin typeface="Arial" panose="020B0604020202020204" pitchFamily="34" charset="0"/>
               </a:rPr>
-              <a:t>Big Data Mining &amp; Applications, Fall 2023</a:t>
+              <a:t>Big Data Mining &amp; Applications, Fall 2024</a:t>
             </a:r>
           </a:p>
         </p:txBody>
@@ -12498,7 +12518,7 @@
               <a:rPr kumimoji="0" lang="en-US" altLang="zh-TW" sz="1400">
                 <a:latin typeface="Arial" panose="020B0604020202020204" pitchFamily="34" charset="0"/>
               </a:rPr>
-              <a:t>Big Data Mining &amp; Applications, Fall 2023</a:t>
+              <a:t>Big Data Mining &amp; Applications, Fall 2024</a:t>
             </a:r>
           </a:p>
         </p:txBody>
@@ -14336,18 +14356,18 @@
 </file>
 
 <file path=customXml/item2.xml><?xml version="1.0" encoding="utf-8"?>
-<p:properties xmlns:p="http://schemas.microsoft.com/office/2006/metadata/properties" xmlns:xsi="http://www.w3.org/2001/XMLSchema-instance" xmlns:pc="http://schemas.microsoft.com/office/infopath/2007/PartnerControls">
-  <documentManagement/>
-</p:properties>
-</file>
-
-<file path=customXml/item3.xml><?xml version="1.0" encoding="utf-8"?>
 <?mso-contentType ?>
 <FormTemplates xmlns="http://schemas.microsoft.com/sharepoint/v3/contenttype/forms">
   <Display>DocumentLibraryForm</Display>
   <Edit>DocumentLibraryForm</Edit>
   <New>DocumentLibraryForm</New>
 </FormTemplates>
+</file>
+
+<file path=customXml/item3.xml><?xml version="1.0" encoding="utf-8"?>
+<p:properties xmlns:p="http://schemas.microsoft.com/office/2006/metadata/properties" xmlns:xsi="http://www.w3.org/2001/XMLSchema-instance" xmlns:pc="http://schemas.microsoft.com/office/infopath/2007/PartnerControls">
+  <documentManagement/>
+</p:properties>
 </file>
 
 <file path=customXml/itemProps1.xml><?xml version="1.0" encoding="utf-8"?>
@@ -14370,6 +14390,14 @@
 </file>
 
 <file path=customXml/itemProps2.xml><?xml version="1.0" encoding="utf-8"?>
+<ds:datastoreItem xmlns:ds="http://schemas.openxmlformats.org/officeDocument/2006/customXml" ds:itemID="{6A1B13E3-E4E8-4EF1-807D-F507603EC49A}">
+  <ds:schemaRefs>
+    <ds:schemaRef ds:uri="http://schemas.microsoft.com/sharepoint/v3/contenttype/forms"/>
+  </ds:schemaRefs>
+</ds:datastoreItem>
+</file>
+
+<file path=customXml/itemProps3.xml><?xml version="1.0" encoding="utf-8"?>
 <ds:datastoreItem xmlns:ds="http://schemas.openxmlformats.org/officeDocument/2006/customXml" ds:itemID="{9D3C8F21-5442-4811-AD37-E39D2F83CAEB}">
   <ds:schemaRefs>
     <ds:schemaRef ds:uri="http://purl.org/dc/terms/"/>
@@ -14384,12 +14412,4 @@
     <ds:schemaRef ds:uri="http://www.w3.org/XML/1998/namespace"/>
   </ds:schemaRefs>
 </ds:datastoreItem>
-</file>
-
-<file path=customXml/itemProps3.xml><?xml version="1.0" encoding="utf-8"?>
-<ds:datastoreItem xmlns:ds="http://schemas.openxmlformats.org/officeDocument/2006/customXml" ds:itemID="{6A1B13E3-E4E8-4EF1-807D-F507603EC49A}">
-  <ds:schemaRefs>
-    <ds:schemaRef ds:uri="http://schemas.microsoft.com/sharepoint/v3/contenttype/forms"/>
-  </ds:schemaRefs>
-</ds:datastoreItem>
 </file>